--- a/STM32_DOCS/STM32_LCD.pptx
+++ b/STM32_DOCS/STM32_LCD.pptx
@@ -213,7 +213,7 @@
           <a:p>
             <a:fld id="{FA960776-DD9C-4CA1-B52F-F69555253B23}" type="datetimeFigureOut">
               <a:rPr lang="en-US" smtClean="0"/>
-              <a:t>07-Jul-21</a:t>
+              <a:t>09-Jul-21</a:t>
             </a:fld>
             <a:endParaRPr lang="en-US"/>
           </a:p>
@@ -378,7 +378,7 @@
           <a:p>
             <a:fld id="{117B28C9-C092-4B93-8C1C-CCC07276BB7E}" type="datetimeFigureOut">
               <a:rPr lang="en-US" smtClean="0"/>
-              <a:t>07-Jul-21</a:t>
+              <a:t>09-Jul-21</a:t>
             </a:fld>
             <a:endParaRPr lang="en-US"/>
           </a:p>
@@ -777,7 +777,7 @@
           <a:p>
             <a:fld id="{2A5E2251-59F4-40B9-B589-7FD156F73A80}" type="datetime1">
               <a:rPr lang="en-US" smtClean="0"/>
-              <a:t>07-Jul-21</a:t>
+              <a:t>09-Jul-21</a:t>
             </a:fld>
             <a:endParaRPr lang="en-US"/>
           </a:p>
@@ -951,7 +951,7 @@
           <a:p>
             <a:fld id="{89CF80C3-0E08-48A5-B726-C01769596925}" type="datetime1">
               <a:rPr lang="en-US" smtClean="0"/>
-              <a:t>07-Jul-21</a:t>
+              <a:t>09-Jul-21</a:t>
             </a:fld>
             <a:endParaRPr lang="en-US"/>
           </a:p>
@@ -1135,7 +1135,7 @@
           <a:p>
             <a:fld id="{892E424D-94F6-4CEC-A81F-5E779D7413CC}" type="datetime1">
               <a:rPr lang="en-US" smtClean="0"/>
-              <a:t>07-Jul-21</a:t>
+              <a:t>09-Jul-21</a:t>
             </a:fld>
             <a:endParaRPr lang="en-US"/>
           </a:p>
@@ -1309,7 +1309,7 @@
           <a:p>
             <a:fld id="{97D9D462-B0B7-4ABA-96C7-E930E507E961}" type="datetime1">
               <a:rPr lang="en-US" smtClean="0"/>
-              <a:t>07-Jul-21</a:t>
+              <a:t>09-Jul-21</a:t>
             </a:fld>
             <a:endParaRPr lang="en-US"/>
           </a:p>
@@ -1559,7 +1559,7 @@
           <a:p>
             <a:fld id="{3918557C-03DF-4711-B723-5E38B3E9A1E7}" type="datetime1">
               <a:rPr lang="en-US" smtClean="0"/>
-              <a:t>07-Jul-21</a:t>
+              <a:t>09-Jul-21</a:t>
             </a:fld>
             <a:endParaRPr lang="en-US"/>
           </a:p>
@@ -1795,7 +1795,7 @@
           <a:p>
             <a:fld id="{88336EB4-A409-4FAD-9C75-0FDA2532A29E}" type="datetime1">
               <a:rPr lang="en-US" smtClean="0"/>
-              <a:t>07-Jul-21</a:t>
+              <a:t>09-Jul-21</a:t>
             </a:fld>
             <a:endParaRPr lang="en-US"/>
           </a:p>
@@ -2166,7 +2166,7 @@
           <a:p>
             <a:fld id="{DEDC10B9-38CE-47F4-A584-8AB9D88C77B6}" type="datetime1">
               <a:rPr lang="en-US" smtClean="0"/>
-              <a:t>07-Jul-21</a:t>
+              <a:t>09-Jul-21</a:t>
             </a:fld>
             <a:endParaRPr lang="en-US"/>
           </a:p>
@@ -2288,7 +2288,7 @@
           <a:p>
             <a:fld id="{3555007C-9379-46F8-979B-5F3BF56E7AAF}" type="datetime1">
               <a:rPr lang="en-US" smtClean="0"/>
-              <a:t>07-Jul-21</a:t>
+              <a:t>09-Jul-21</a:t>
             </a:fld>
             <a:endParaRPr lang="en-US"/>
           </a:p>
@@ -2387,7 +2387,7 @@
           <a:p>
             <a:fld id="{DF2E3600-6EBA-4BF3-A90C-7AAC98EC2961}" type="datetime1">
               <a:rPr lang="en-US" smtClean="0"/>
-              <a:t>07-Jul-21</a:t>
+              <a:t>09-Jul-21</a:t>
             </a:fld>
             <a:endParaRPr lang="en-US"/>
           </a:p>
@@ -2668,7 +2668,7 @@
           <a:p>
             <a:fld id="{58C74F0D-A1EF-4991-AA34-322619835400}" type="datetime1">
               <a:rPr lang="en-US" smtClean="0"/>
-              <a:t>07-Jul-21</a:t>
+              <a:t>09-Jul-21</a:t>
             </a:fld>
             <a:endParaRPr lang="en-US"/>
           </a:p>
@@ -2925,7 +2925,7 @@
           <a:p>
             <a:fld id="{B940BCD2-4171-4350-A35E-E8DC82A10A4D}" type="datetime1">
               <a:rPr lang="en-US" smtClean="0"/>
-              <a:t>07-Jul-21</a:t>
+              <a:t>09-Jul-21</a:t>
             </a:fld>
             <a:endParaRPr lang="en-US"/>
           </a:p>
@@ -3142,7 +3142,7 @@
           <a:p>
             <a:fld id="{ABA45DF3-9160-4E03-9CC3-848E1257BAC3}" type="datetime1">
               <a:rPr lang="en-US" smtClean="0"/>
-              <a:t>07-Jul-21</a:t>
+              <a:t>09-Jul-21</a:t>
             </a:fld>
             <a:endParaRPr lang="en-US"/>
           </a:p>
@@ -3628,7 +3628,7 @@
                   <a:schemeClr val="accent1"/>
                 </a:solidFill>
               </a:rPr>
-              <a:t>PIC16F877A</a:t>
+              <a:t>STM32</a:t>
             </a:r>
             <a:endParaRPr lang="en-IN" b="1" dirty="0">
               <a:solidFill>
@@ -7025,14 +7025,6 @@
               </a:rPr>
               <a:t>Heading</a:t>
             </a:r>
-            <a:endParaRPr lang="en-US" sz="2800" b="1" dirty="0" smtClean="0">
-              <a:solidFill>
-                <a:schemeClr val="accent1">
-                  <a:lumMod val="75000"/>
-                </a:schemeClr>
-              </a:solidFill>
-              <a:latin typeface="Facto Bold" panose="00000800000000000000" pitchFamily="50" charset="0"/>
-            </a:endParaRPr>
           </a:p>
         </p:txBody>
       </p:sp>
@@ -11599,14 +11591,6 @@
               </a:rPr>
               <a:t>Program</a:t>
             </a:r>
-            <a:endParaRPr lang="en-US" sz="2800" b="1" dirty="0" smtClean="0">
-              <a:solidFill>
-                <a:schemeClr val="accent1">
-                  <a:lumMod val="75000"/>
-                </a:schemeClr>
-              </a:solidFill>
-              <a:latin typeface="Facto Bold" panose="00000800000000000000" pitchFamily="50" charset="0"/>
-            </a:endParaRPr>
           </a:p>
         </p:txBody>
       </p:sp>

--- a/STM32_DOCS/STM32_LCD.pptx
+++ b/STM32_DOCS/STM32_LCD.pptx
@@ -125,7 +125,7 @@
   </p:defaultTextStyle>
   <p:extLst>
     <p:ext uri="{EFAFB233-063F-42B5-8137-9DF3F51BA10A}">
-      <p15:sldGuideLst xmlns:p15="http://schemas.microsoft.com/office/powerpoint/2012/main" xmlns=""/>
+      <p15:sldGuideLst xmlns="" xmlns:p15="http://schemas.microsoft.com/office/powerpoint/2012/main"/>
     </p:ext>
   </p:extLst>
 </p:presentation>
@@ -213,7 +213,7 @@
           <a:p>
             <a:fld id="{FA960776-DD9C-4CA1-B52F-F69555253B23}" type="datetimeFigureOut">
               <a:rPr lang="en-US" smtClean="0"/>
-              <a:t>09-Jul-21</a:t>
+              <a:t>20-Jul-21</a:t>
             </a:fld>
             <a:endParaRPr lang="en-US"/>
           </a:p>
@@ -378,7 +378,7 @@
           <a:p>
             <a:fld id="{117B28C9-C092-4B93-8C1C-CCC07276BB7E}" type="datetimeFigureOut">
               <a:rPr lang="en-US" smtClean="0"/>
-              <a:t>09-Jul-21</a:t>
+              <a:t>20-Jul-21</a:t>
             </a:fld>
             <a:endParaRPr lang="en-US"/>
           </a:p>
@@ -777,7 +777,7 @@
           <a:p>
             <a:fld id="{2A5E2251-59F4-40B9-B589-7FD156F73A80}" type="datetime1">
               <a:rPr lang="en-US" smtClean="0"/>
-              <a:t>09-Jul-21</a:t>
+              <a:t>20-Jul-21</a:t>
             </a:fld>
             <a:endParaRPr lang="en-US"/>
           </a:p>
@@ -951,7 +951,7 @@
           <a:p>
             <a:fld id="{89CF80C3-0E08-48A5-B726-C01769596925}" type="datetime1">
               <a:rPr lang="en-US" smtClean="0"/>
-              <a:t>09-Jul-21</a:t>
+              <a:t>20-Jul-21</a:t>
             </a:fld>
             <a:endParaRPr lang="en-US"/>
           </a:p>
@@ -1135,7 +1135,7 @@
           <a:p>
             <a:fld id="{892E424D-94F6-4CEC-A81F-5E779D7413CC}" type="datetime1">
               <a:rPr lang="en-US" smtClean="0"/>
-              <a:t>09-Jul-21</a:t>
+              <a:t>20-Jul-21</a:t>
             </a:fld>
             <a:endParaRPr lang="en-US"/>
           </a:p>
@@ -1309,7 +1309,7 @@
           <a:p>
             <a:fld id="{97D9D462-B0B7-4ABA-96C7-E930E507E961}" type="datetime1">
               <a:rPr lang="en-US" smtClean="0"/>
-              <a:t>09-Jul-21</a:t>
+              <a:t>20-Jul-21</a:t>
             </a:fld>
             <a:endParaRPr lang="en-US"/>
           </a:p>
@@ -1559,7 +1559,7 @@
           <a:p>
             <a:fld id="{3918557C-03DF-4711-B723-5E38B3E9A1E7}" type="datetime1">
               <a:rPr lang="en-US" smtClean="0"/>
-              <a:t>09-Jul-21</a:t>
+              <a:t>20-Jul-21</a:t>
             </a:fld>
             <a:endParaRPr lang="en-US"/>
           </a:p>
@@ -1795,7 +1795,7 @@
           <a:p>
             <a:fld id="{88336EB4-A409-4FAD-9C75-0FDA2532A29E}" type="datetime1">
               <a:rPr lang="en-US" smtClean="0"/>
-              <a:t>09-Jul-21</a:t>
+              <a:t>20-Jul-21</a:t>
             </a:fld>
             <a:endParaRPr lang="en-US"/>
           </a:p>
@@ -2166,7 +2166,7 @@
           <a:p>
             <a:fld id="{DEDC10B9-38CE-47F4-A584-8AB9D88C77B6}" type="datetime1">
               <a:rPr lang="en-US" smtClean="0"/>
-              <a:t>09-Jul-21</a:t>
+              <a:t>20-Jul-21</a:t>
             </a:fld>
             <a:endParaRPr lang="en-US"/>
           </a:p>
@@ -2288,7 +2288,7 @@
           <a:p>
             <a:fld id="{3555007C-9379-46F8-979B-5F3BF56E7AAF}" type="datetime1">
               <a:rPr lang="en-US" smtClean="0"/>
-              <a:t>09-Jul-21</a:t>
+              <a:t>20-Jul-21</a:t>
             </a:fld>
             <a:endParaRPr lang="en-US"/>
           </a:p>
@@ -2387,7 +2387,7 @@
           <a:p>
             <a:fld id="{DF2E3600-6EBA-4BF3-A90C-7AAC98EC2961}" type="datetime1">
               <a:rPr lang="en-US" smtClean="0"/>
-              <a:t>09-Jul-21</a:t>
+              <a:t>20-Jul-21</a:t>
             </a:fld>
             <a:endParaRPr lang="en-US"/>
           </a:p>
@@ -2668,7 +2668,7 @@
           <a:p>
             <a:fld id="{58C74F0D-A1EF-4991-AA34-322619835400}" type="datetime1">
               <a:rPr lang="en-US" smtClean="0"/>
-              <a:t>09-Jul-21</a:t>
+              <a:t>20-Jul-21</a:t>
             </a:fld>
             <a:endParaRPr lang="en-US"/>
           </a:p>
@@ -2925,7 +2925,7 @@
           <a:p>
             <a:fld id="{B940BCD2-4171-4350-A35E-E8DC82A10A4D}" type="datetime1">
               <a:rPr lang="en-US" smtClean="0"/>
-              <a:t>09-Jul-21</a:t>
+              <a:t>20-Jul-21</a:t>
             </a:fld>
             <a:endParaRPr lang="en-US"/>
           </a:p>
@@ -3142,7 +3142,7 @@
           <a:p>
             <a:fld id="{ABA45DF3-9160-4E03-9CC3-848E1257BAC3}" type="datetime1">
               <a:rPr lang="en-US" smtClean="0"/>
-              <a:t>09-Jul-21</a:t>
+              <a:t>20-Jul-21</a:t>
             </a:fld>
             <a:endParaRPr lang="en-US"/>
           </a:p>
@@ -11409,7 +11409,7 @@
       </p:sp>
       <p:pic>
         <p:nvPicPr>
-          <p:cNvPr id="6" name="Picture 5"/>
+          <p:cNvPr id="4" name="Picture 3"/>
           <p:cNvPicPr>
             <a:picLocks noChangeAspect="1"/>
           </p:cNvPicPr>
@@ -11429,8 +11429,8 @@
         </p:blipFill>
         <p:spPr>
           <a:xfrm>
-            <a:off x="2682554" y="1304628"/>
-            <a:ext cx="6252292" cy="4678729"/>
+            <a:off x="2691830" y="1017142"/>
+            <a:ext cx="5965143" cy="5268664"/>
           </a:xfrm>
           <a:prstGeom prst="rect">
             <a:avLst/>
@@ -14060,7 +14060,7 @@
   <a:extraClrSchemeLst/>
   <a:extLst>
     <a:ext uri="{05A4C25C-085E-4340-85A3-A5531E510DB2}">
-      <thm15:themeFamily xmlns:thm15="http://schemas.microsoft.com/office/thememl/2012/main" xmlns="" name="Office Theme" id="{62F939B6-93AF-4DB8-9C6B-D6C7DFDC589F}" vid="{4A3C46E8-61CC-4603-A589-7422A47A8E4A}"/>
+      <thm15:themeFamily xmlns="" xmlns:thm15="http://schemas.microsoft.com/office/thememl/2012/main" name="Office Theme" id="{62F939B6-93AF-4DB8-9C6B-D6C7DFDC589F}" vid="{4A3C46E8-61CC-4603-A589-7422A47A8E4A}"/>
     </a:ext>
   </a:extLst>
 </a:theme>
@@ -14321,7 +14321,7 @@
   <a:extraClrSchemeLst/>
   <a:extLst>
     <a:ext uri="{05A4C25C-085E-4340-85A3-A5531E510DB2}">
-      <thm15:themeFamily xmlns:thm15="http://schemas.microsoft.com/office/thememl/2012/main" xmlns="" name="Office Theme" id="{62F939B6-93AF-4DB8-9C6B-D6C7DFDC589F}" vid="{4A3C46E8-61CC-4603-A589-7422A47A8E4A}"/>
+      <thm15:themeFamily xmlns="" xmlns:thm15="http://schemas.microsoft.com/office/thememl/2012/main" name="Office Theme" id="{62F939B6-93AF-4DB8-9C6B-D6C7DFDC589F}" vid="{4A3C46E8-61CC-4603-A589-7422A47A8E4A}"/>
     </a:ext>
   </a:extLst>
 </a:theme>
@@ -14582,7 +14582,7 @@
   <a:extraClrSchemeLst/>
   <a:extLst>
     <a:ext uri="{05A4C25C-085E-4340-85A3-A5531E510DB2}">
-      <thm15:themeFamily xmlns:thm15="http://schemas.microsoft.com/office/thememl/2012/main" xmlns="" name="Office Theme" id="{62F939B6-93AF-4DB8-9C6B-D6C7DFDC589F}" vid="{4A3C46E8-61CC-4603-A589-7422A47A8E4A}"/>
+      <thm15:themeFamily xmlns="" xmlns:thm15="http://schemas.microsoft.com/office/thememl/2012/main" name="Office Theme" id="{62F939B6-93AF-4DB8-9C6B-D6C7DFDC589F}" vid="{4A3C46E8-61CC-4603-A589-7422A47A8E4A}"/>
     </a:ext>
   </a:extLst>
 </a:theme>
